--- a/translations/en-us/robots/Shielding.pptx
+++ b/translations/en-us/robots/Shielding.pptx
@@ -223,7 +223,7 @@
           <a:p>
             <a:fld id="{E354B44E-40A3-0E46-B16A-9BF1250A248B}" type="datetimeFigureOut">
               <a:rPr lang="en-US" smtClean="0"/>
-              <a:t>7/13/16</a:t>
+              <a:t>8/4/16</a:t>
             </a:fld>
             <a:endParaRPr lang="en-US"/>
           </a:p>
@@ -389,7 +389,7 @@
           <a:p>
             <a:fld id="{C86AD16C-2DB4-6642-BAD4-9ED973A087A0}" type="datetimeFigureOut">
               <a:rPr lang="en-US" smtClean="0"/>
-              <a:t>7/13/16</a:t>
+              <a:t>8/4/16</a:t>
             </a:fld>
             <a:endParaRPr lang="en-US"/>
           </a:p>
@@ -1019,7 +1019,7 @@
           <a:p>
             <a:fld id="{E78793F4-C5FC-6C49-865F-38E98F8B6E7A}" type="datetime1">
               <a:rPr lang="en-US" smtClean="0"/>
-              <a:t>7/13/16</a:t>
+              <a:t>8/4/16</a:t>
             </a:fld>
             <a:endParaRPr lang="en-US"/>
           </a:p>
@@ -1618,7 +1618,7 @@
           <a:p>
             <a:fld id="{EC1D8443-4C0A-084C-AA54-1E7D5F455F3A}" type="datetime1">
               <a:rPr lang="en-US" smtClean="0"/>
-              <a:t>7/13/16</a:t>
+              <a:t>8/4/16</a:t>
             </a:fld>
             <a:endParaRPr lang="en-US"/>
           </a:p>
@@ -1802,7 +1802,7 @@
           <a:p>
             <a:fld id="{97D06A16-A206-6246-92BC-B4FB501FD231}" type="datetime1">
               <a:rPr lang="en-US" smtClean="0"/>
-              <a:t>7/13/16</a:t>
+              <a:t>8/4/16</a:t>
             </a:fld>
             <a:endParaRPr lang="en-US"/>
           </a:p>
@@ -2019,7 +2019,7 @@
           <a:p>
             <a:fld id="{3EDCAF60-3B05-3246-A488-385E911ADA4C}" type="datetime1">
               <a:rPr lang="en-US" smtClean="0"/>
-              <a:t>7/13/16</a:t>
+              <a:t>8/4/16</a:t>
             </a:fld>
             <a:endParaRPr lang="en-US"/>
           </a:p>
@@ -2238,7 +2238,7 @@
           <a:noFill/>
           <a:extLst>
             <a:ext uri="{909E8E84-426E-40dd-AFC4-6F175D3DCCD1}">
-              <a14:hiddenFill xmlns="" xmlns:a14="http://schemas.microsoft.com/office/drawing/2010/main">
+              <a14:hiddenFill xmlns:a14="http://schemas.microsoft.com/office/drawing/2010/main" xmlns="">
                 <a:solidFill>
                   <a:srgbClr val="FFFFFF"/>
                 </a:solidFill>
@@ -2873,7 +2873,7 @@
           <a:p>
             <a:fld id="{5C8C5C22-0F70-954D-A127-985E58A73E50}" type="datetime1">
               <a:rPr lang="en-US" smtClean="0"/>
-              <a:t>7/13/16</a:t>
+              <a:t>8/4/16</a:t>
             </a:fld>
             <a:endParaRPr lang="en-US"/>
           </a:p>
@@ -3146,7 +3146,7 @@
           <a:p>
             <a:fld id="{481F2482-3634-AE43-96A2-443579B64C78}" type="datetime1">
               <a:rPr lang="en-US" smtClean="0"/>
-              <a:t>7/13/16</a:t>
+              <a:t>8/4/16</a:t>
             </a:fld>
             <a:endParaRPr lang="en-US"/>
           </a:p>
@@ -3451,7 +3451,7 @@
           <a:p>
             <a:fld id="{4E796ECE-AB84-E841-BCDE-C183FC79695B}" type="datetime1">
               <a:rPr lang="en-US" smtClean="0"/>
-              <a:t>7/13/16</a:t>
+              <a:t>8/4/16</a:t>
             </a:fld>
             <a:endParaRPr lang="en-US"/>
           </a:p>
@@ -3914,7 +3914,7 @@
           <a:p>
             <a:fld id="{60AC2DDB-9EB3-0A4D-8E85-630ADAD74232}" type="datetime1">
               <a:rPr lang="en-US" smtClean="0"/>
-              <a:t>7/13/16</a:t>
+              <a:t>8/4/16</a:t>
             </a:fld>
             <a:endParaRPr lang="en-US"/>
           </a:p>
@@ -4051,7 +4051,7 @@
           <a:p>
             <a:fld id="{7905659A-339E-ED42-8D0A-48F5B5EF8874}" type="datetime1">
               <a:rPr lang="en-US" smtClean="0"/>
-              <a:t>7/13/16</a:t>
+              <a:t>8/4/16</a:t>
             </a:fld>
             <a:endParaRPr lang="en-US"/>
           </a:p>
@@ -4165,7 +4165,7 @@
           <a:p>
             <a:fld id="{376A3042-8C54-0D4B-B0AB-B475FC41598D}" type="datetime1">
               <a:rPr lang="en-US" smtClean="0"/>
-              <a:t>7/13/16</a:t>
+              <a:t>8/4/16</a:t>
             </a:fld>
             <a:endParaRPr lang="en-US"/>
           </a:p>
@@ -4424,7 +4424,7 @@
           <a:p>
             <a:fld id="{C4678F90-B3E8-044F-8EF9-4B246D511BCB}" type="datetime1">
               <a:rPr lang="en-US" smtClean="0"/>
-              <a:t>7/13/16</a:t>
+              <a:t>8/4/16</a:t>
             </a:fld>
             <a:endParaRPr lang="en-US"/>
           </a:p>
@@ -4639,7 +4639,7 @@
           <a:p>
             <a:fld id="{E0C1CB1A-135A-E94F-B07E-211A927B7069}" type="datetime1">
               <a:rPr lang="en-US" smtClean="0"/>
-              <a:t>7/13/16</a:t>
+              <a:t>8/4/16</a:t>
             </a:fld>
             <a:endParaRPr lang="en-US"/>
           </a:p>
@@ -4924,7 +4924,7 @@
           <a:p>
             <a:fld id="{02F038D6-8B7E-CF4F-8AF4-CDDCD24BC7CC}" type="datetime1">
               <a:rPr lang="en-US" smtClean="0"/>
-              <a:t>7/13/16</a:t>
+              <a:t>8/4/16</a:t>
             </a:fld>
             <a:endParaRPr lang="en-US"/>
           </a:p>
@@ -5194,7 +5194,7 @@
           <a:p>
             <a:fld id="{1AF94657-5EEF-2E47-B47F-8788BF1C8E44}" type="datetime1">
               <a:rPr lang="en-US" smtClean="0"/>
-              <a:t>7/13/16</a:t>
+              <a:t>8/4/16</a:t>
             </a:fld>
             <a:endParaRPr lang="en-US"/>
           </a:p>
@@ -5386,7 +5386,7 @@
           <a:p>
             <a:fld id="{8A75BCE3-CFB2-0943-B737-6B5D88B058F6}" type="datetime1">
               <a:rPr lang="en-US" smtClean="0"/>
-              <a:t>7/13/16</a:t>
+              <a:t>8/4/16</a:t>
             </a:fld>
             <a:endParaRPr lang="en-US"/>
           </a:p>
@@ -5590,7 +5590,7 @@
           <a:p>
             <a:fld id="{DD6B03A8-1DFC-934E-B5CC-9E9A454F769C}" type="datetime1">
               <a:rPr lang="en-US" smtClean="0"/>
-              <a:t>7/13/16</a:t>
+              <a:t>8/4/16</a:t>
             </a:fld>
             <a:endParaRPr lang="en-US"/>
           </a:p>
@@ -5764,7 +5764,7 @@
           <a:p>
             <a:fld id="{C8FDC359-E39F-6648-86AD-72B938C02B71}" type="datetime1">
               <a:rPr lang="en-US" smtClean="0"/>
-              <a:t>7/13/16</a:t>
+              <a:t>8/4/16</a:t>
             </a:fld>
             <a:endParaRPr lang="en-US"/>
           </a:p>
@@ -6014,7 +6014,7 @@
           <a:p>
             <a:fld id="{642D53D2-7B6C-EF46-8971-8FB9F0B167AB}" type="datetime1">
               <a:rPr lang="en-US" smtClean="0"/>
-              <a:t>7/13/16</a:t>
+              <a:t>8/4/16</a:t>
             </a:fld>
             <a:endParaRPr lang="en-US"/>
           </a:p>
@@ -6250,7 +6250,7 @@
           <a:p>
             <a:fld id="{1580ABA7-66DF-F04C-A7A9-45DC0752EECB}" type="datetime1">
               <a:rPr lang="en-US" smtClean="0"/>
-              <a:t>7/13/16</a:t>
+              <a:t>8/4/16</a:t>
             </a:fld>
             <a:endParaRPr lang="en-US"/>
           </a:p>
@@ -6621,7 +6621,7 @@
           <a:p>
             <a:fld id="{ADC94E9D-114B-6445-9CC1-A5F7AF88D683}" type="datetime1">
               <a:rPr lang="en-US" smtClean="0"/>
-              <a:t>7/13/16</a:t>
+              <a:t>8/4/16</a:t>
             </a:fld>
             <a:endParaRPr lang="en-US"/>
           </a:p>
@@ -6743,7 +6743,7 @@
           <a:p>
             <a:fld id="{37B8CBAF-37E1-7246-93A7-A32A084337B6}" type="datetime1">
               <a:rPr lang="en-US" smtClean="0"/>
-              <a:t>7/13/16</a:t>
+              <a:t>8/4/16</a:t>
             </a:fld>
             <a:endParaRPr lang="en-US"/>
           </a:p>
@@ -6842,7 +6842,7 @@
           <a:p>
             <a:fld id="{3C9377F6-9A91-614F-A1CB-8ECEA42EF3B9}" type="datetime1">
               <a:rPr lang="en-US" smtClean="0"/>
-              <a:t>7/13/16</a:t>
+              <a:t>8/4/16</a:t>
             </a:fld>
             <a:endParaRPr lang="en-US"/>
           </a:p>
@@ -7100,7 +7100,7 @@
           <a:p>
             <a:fld id="{6EB27557-11A9-BA4E-952D-3C93D147790D}" type="datetime1">
               <a:rPr lang="en-US" smtClean="0"/>
-              <a:t>7/13/16</a:t>
+              <a:t>8/4/16</a:t>
             </a:fld>
             <a:endParaRPr lang="en-US"/>
           </a:p>
@@ -7381,7 +7381,7 @@
           <a:p>
             <a:fld id="{73842A8B-4802-AA4E-AF0B-A65CF02ADE23}" type="datetime1">
               <a:rPr lang="en-US" smtClean="0"/>
-              <a:t>7/13/16</a:t>
+              <a:t>8/4/16</a:t>
             </a:fld>
             <a:endParaRPr lang="en-US"/>
           </a:p>
@@ -7642,7 +7642,7 @@
           <a:p>
             <a:fld id="{BB3B013B-AECC-B247-9487-8FDE067627B9}" type="datetime1">
               <a:rPr lang="en-US" smtClean="0"/>
-              <a:t>7/13/16</a:t>
+              <a:t>8/4/16</a:t>
             </a:fld>
             <a:endParaRPr lang="en-US"/>
           </a:p>
@@ -7816,7 +7816,7 @@
           <a:p>
             <a:fld id="{230E7C54-E527-0C4A-896E-61307B2BF105}" type="datetime1">
               <a:rPr lang="en-US" smtClean="0"/>
-              <a:t>7/13/16</a:t>
+              <a:t>8/4/16</a:t>
             </a:fld>
             <a:endParaRPr lang="en-US"/>
           </a:p>
@@ -8000,7 +8000,7 @@
           <a:p>
             <a:fld id="{1711876A-6C94-A24E-8F4C-9A641E1DDC82}" type="datetime1">
               <a:rPr lang="en-US" smtClean="0"/>
-              <a:t>7/13/16</a:t>
+              <a:t>8/4/16</a:t>
             </a:fld>
             <a:endParaRPr lang="en-US"/>
           </a:p>
@@ -8258,7 +8258,7 @@
           <a:p>
             <a:fld id="{7DA6A717-B42A-0E48-A8CB-586E49034B0B}" type="datetime1">
               <a:rPr lang="en-US" smtClean="0"/>
-              <a:t>7/13/16</a:t>
+              <a:t>8/4/16</a:t>
             </a:fld>
             <a:endParaRPr lang="en-US"/>
           </a:p>
@@ -9284,7 +9284,7 @@
           <a:p>
             <a:fld id="{55C5FE41-3FBB-6D47-B8D2-F2853B9CE0B8}" type="datetime1">
               <a:rPr lang="en-US" smtClean="0"/>
-              <a:t>7/13/16</a:t>
+              <a:t>8/4/16</a:t>
             </a:fld>
             <a:endParaRPr lang="en-US"/>
           </a:p>
@@ -9547,7 +9547,7 @@
           <a:p>
             <a:fld id="{32864981-6CCF-2E49-BFD1-A3DC15586A31}" type="datetime1">
               <a:rPr lang="en-US" smtClean="0"/>
-              <a:t>7/13/16</a:t>
+              <a:t>8/4/16</a:t>
             </a:fld>
             <a:endParaRPr lang="en-US"/>
           </a:p>
@@ -9844,7 +9844,7 @@
           <a:p>
             <a:fld id="{782AE0EF-F380-5C46-AE0D-DAB79B53712A}" type="datetime1">
               <a:rPr lang="en-US" smtClean="0"/>
-              <a:t>7/13/16</a:t>
+              <a:t>8/4/16</a:t>
             </a:fld>
             <a:endParaRPr lang="en-US"/>
           </a:p>
@@ -10292,7 +10292,7 @@
           <a:p>
             <a:fld id="{9F29E351-B05F-D244-8734-2AF742886544}" type="datetime1">
               <a:rPr lang="en-US" smtClean="0"/>
-              <a:t>7/13/16</a:t>
+              <a:t>8/4/16</a:t>
             </a:fld>
             <a:endParaRPr lang="en-US"/>
           </a:p>
@@ -10414,7 +10414,7 @@
           <a:p>
             <a:fld id="{4D9D2480-ACD5-164A-8061-C738FBEDCA08}" type="datetime1">
               <a:rPr lang="en-US" smtClean="0"/>
-              <a:t>7/13/16</a:t>
+              <a:t>8/4/16</a:t>
             </a:fld>
             <a:endParaRPr lang="en-US"/>
           </a:p>
@@ -10711,7 +10711,7 @@
           <a:p>
             <a:fld id="{54FDE07F-05D7-B54B-841D-0D50038FFACD}" type="datetime1">
               <a:rPr lang="en-US" smtClean="0"/>
-              <a:t>7/13/16</a:t>
+              <a:t>8/4/16</a:t>
             </a:fld>
             <a:endParaRPr lang="en-US"/>
           </a:p>
@@ -10810,7 +10810,7 @@
           <a:p>
             <a:fld id="{32E9E65D-B8E4-D747-ABDF-5FAAD5082056}" type="datetime1">
               <a:rPr lang="en-US" smtClean="0"/>
-              <a:t>7/13/16</a:t>
+              <a:t>8/4/16</a:t>
             </a:fld>
             <a:endParaRPr lang="en-US"/>
           </a:p>
@@ -11061,7 +11061,7 @@
           <a:p>
             <a:fld id="{04DCD951-67E6-FF4F-996A-B1A97BA02867}" type="datetime1">
               <a:rPr lang="en-US" smtClean="0"/>
-              <a:t>7/13/16</a:t>
+              <a:t>8/4/16</a:t>
             </a:fld>
             <a:endParaRPr lang="en-US"/>
           </a:p>
@@ -11364,7 +11364,7 @@
           <a:p>
             <a:fld id="{A1BCA2D5-2223-AF49-BEBB-921701ED0AFB}" type="datetime1">
               <a:rPr lang="en-US" smtClean="0"/>
-              <a:t>7/13/16</a:t>
+              <a:t>8/4/16</a:t>
             </a:fld>
             <a:endParaRPr lang="en-US"/>
           </a:p>
@@ -11626,7 +11626,7 @@
           <a:p>
             <a:fld id="{1231C905-7F35-7145-9391-26331992431D}" type="datetime1">
               <a:rPr lang="en-US" smtClean="0"/>
-              <a:t>7/13/16</a:t>
+              <a:t>8/4/16</a:t>
             </a:fld>
             <a:endParaRPr lang="en-US"/>
           </a:p>
@@ -11810,7 +11810,7 @@
           <a:p>
             <a:fld id="{35A14A1F-9A35-1843-BD99-EE855F704CD7}" type="datetime1">
               <a:rPr lang="en-US" smtClean="0"/>
-              <a:t>7/13/16</a:t>
+              <a:t>8/4/16</a:t>
             </a:fld>
             <a:endParaRPr lang="en-US"/>
           </a:p>
@@ -12027,7 +12027,7 @@
           <a:p>
             <a:fld id="{DF67FE92-8670-7849-AA08-F0CBC1151909}" type="datetime1">
               <a:rPr lang="en-US" smtClean="0"/>
-              <a:t>7/13/16</a:t>
+              <a:t>8/4/16</a:t>
             </a:fld>
             <a:endParaRPr lang="en-US"/>
           </a:p>
@@ -12246,7 +12246,7 @@
           <a:noFill/>
           <a:extLst>
             <a:ext uri="{909E8E84-426E-40dd-AFC4-6F175D3DCCD1}">
-              <a14:hiddenFill xmlns:a14="http://schemas.microsoft.com/office/drawing/2010/main" xmlns="">
+              <a14:hiddenFill xmlns="" xmlns:a14="http://schemas.microsoft.com/office/drawing/2010/main">
                 <a:solidFill>
                   <a:srgbClr val="FFFFFF"/>
                 </a:solidFill>
@@ -13298,7 +13298,7 @@
           <a:p>
             <a:fld id="{9DB4D5CD-3A84-8C4C-96EC-F57109C5ED62}" type="datetime1">
               <a:rPr lang="en-US" smtClean="0"/>
-              <a:t>7/13/16</a:t>
+              <a:t>8/4/16</a:t>
             </a:fld>
             <a:endParaRPr lang="en-US"/>
           </a:p>
@@ -13571,7 +13571,7 @@
           <a:p>
             <a:fld id="{55C4584A-37C7-DA4B-BC67-4EAACC0543D5}" type="datetime1">
               <a:rPr lang="en-US" smtClean="0"/>
-              <a:t>7/13/16</a:t>
+              <a:t>8/4/16</a:t>
             </a:fld>
             <a:endParaRPr lang="en-US"/>
           </a:p>
@@ -13876,7 +13876,7 @@
           <a:p>
             <a:fld id="{751F739B-6755-794C-9FB6-D5C37F6DFB8A}" type="datetime1">
               <a:rPr lang="en-US" smtClean="0"/>
-              <a:t>7/13/16</a:t>
+              <a:t>8/4/16</a:t>
             </a:fld>
             <a:endParaRPr lang="en-US"/>
           </a:p>
@@ -14339,7 +14339,7 @@
           <a:p>
             <a:fld id="{18BB3F41-D8BF-A540-893D-9C455AF5A1E8}" type="datetime1">
               <a:rPr lang="en-US" smtClean="0"/>
-              <a:t>7/13/16</a:t>
+              <a:t>8/4/16</a:t>
             </a:fld>
             <a:endParaRPr lang="en-US"/>
           </a:p>
@@ -14802,7 +14802,7 @@
           <a:p>
             <a:fld id="{232A3BC2-5FD8-8045-B9C0-494A965C3D05}" type="datetime1">
               <a:rPr lang="en-US" smtClean="0"/>
-              <a:t>7/13/16</a:t>
+              <a:t>8/4/16</a:t>
             </a:fld>
             <a:endParaRPr lang="en-US"/>
           </a:p>
@@ -14924,7 +14924,7 @@
           <a:p>
             <a:fld id="{59E2D7D9-8519-2044-89E5-F3BEB2F6F933}" type="datetime1">
               <a:rPr lang="en-US" smtClean="0"/>
-              <a:t>7/13/16</a:t>
+              <a:t>8/4/16</a:t>
             </a:fld>
             <a:endParaRPr lang="en-US"/>
           </a:p>
@@ -15038,7 +15038,7 @@
           <a:p>
             <a:fld id="{BFF5B659-9F0D-F24C-AE4C-62E16B70E6EA}" type="datetime1">
               <a:rPr lang="en-US" smtClean="0"/>
-              <a:t>7/13/16</a:t>
+              <a:t>8/4/16</a:t>
             </a:fld>
             <a:endParaRPr lang="en-US"/>
           </a:p>
@@ -15297,7 +15297,7 @@
           <a:p>
             <a:fld id="{CFE0481E-95A3-8243-A3AF-0B8902378CA4}" type="datetime1">
               <a:rPr lang="en-US" smtClean="0"/>
-              <a:t>7/13/16</a:t>
+              <a:t>8/4/16</a:t>
             </a:fld>
             <a:endParaRPr lang="en-US"/>
           </a:p>
@@ -15608,7 +15608,7 @@
           <a:p>
             <a:fld id="{274D9BC7-1219-E546-ACC1-8737319B1333}" type="datetime1">
               <a:rPr lang="en-US" smtClean="0"/>
-              <a:t>7/13/16</a:t>
+              <a:t>8/4/16</a:t>
             </a:fld>
             <a:endParaRPr lang="en-US"/>
           </a:p>
@@ -15878,7 +15878,7 @@
           <a:p>
             <a:fld id="{28928A70-2590-5544-A027-14374FDCCD02}" type="datetime1">
               <a:rPr lang="en-US" smtClean="0"/>
-              <a:t>7/13/16</a:t>
+              <a:t>8/4/16</a:t>
             </a:fld>
             <a:endParaRPr lang="en-US"/>
           </a:p>
@@ -16070,7 +16070,7 @@
           <a:p>
             <a:fld id="{C102631C-09E5-2A40-A923-0D2FEE496D62}" type="datetime1">
               <a:rPr lang="en-US" smtClean="0"/>
-              <a:t>7/13/16</a:t>
+              <a:t>8/4/16</a:t>
             </a:fld>
             <a:endParaRPr lang="en-US"/>
           </a:p>
@@ -16274,7 +16274,7 @@
           <a:p>
             <a:fld id="{F2D6BCA7-814D-9F4A-9E83-BE37CE298F5D}" type="datetime1">
               <a:rPr lang="en-US" smtClean="0"/>
-              <a:t>7/13/16</a:t>
+              <a:t>8/4/16</a:t>
             </a:fld>
             <a:endParaRPr lang="en-US"/>
           </a:p>
@@ -16448,7 +16448,7 @@
           <a:p>
             <a:fld id="{75BEB506-20C8-E342-8CAC-2D259315F1CF}" type="datetime1">
               <a:rPr lang="en-US" smtClean="0"/>
-              <a:t>7/13/16</a:t>
+              <a:t>8/4/16</a:t>
             </a:fld>
             <a:endParaRPr lang="en-US"/>
           </a:p>
@@ -16698,7 +16698,7 @@
           <a:p>
             <a:fld id="{3421EBD2-8588-0540-AA10-5DB59F7FC3BB}" type="datetime1">
               <a:rPr lang="en-US" smtClean="0"/>
-              <a:t>7/13/16</a:t>
+              <a:t>8/4/16</a:t>
             </a:fld>
             <a:endParaRPr lang="en-US"/>
           </a:p>
@@ -16934,7 +16934,7 @@
           <a:p>
             <a:fld id="{B5F08F4B-17D2-EA45-8C85-F2E352553C16}" type="datetime1">
               <a:rPr lang="en-US" smtClean="0"/>
-              <a:t>7/13/16</a:t>
+              <a:t>8/4/16</a:t>
             </a:fld>
             <a:endParaRPr lang="en-US"/>
           </a:p>
@@ -17056,7 +17056,7 @@
           <a:p>
             <a:fld id="{6AB4595D-D4FF-FC4B-A545-74D7FC1A5FE7}" type="datetime1">
               <a:rPr lang="en-US" smtClean="0"/>
-              <a:t>7/13/16</a:t>
+              <a:t>8/4/16</a:t>
             </a:fld>
             <a:endParaRPr lang="en-US"/>
           </a:p>
@@ -17427,7 +17427,7 @@
           <a:p>
             <a:fld id="{0C8B88AD-DDA4-A84C-96CC-F657B3D05C09}" type="datetime1">
               <a:rPr lang="en-US" smtClean="0"/>
-              <a:t>7/13/16</a:t>
+              <a:t>8/4/16</a:t>
             </a:fld>
             <a:endParaRPr lang="en-US"/>
           </a:p>
@@ -17549,7 +17549,7 @@
           <a:p>
             <a:fld id="{813CFAF2-FDD1-3949-9614-B8198237C396}" type="datetime1">
               <a:rPr lang="en-US" smtClean="0"/>
-              <a:t>7/13/16</a:t>
+              <a:t>8/4/16</a:t>
             </a:fld>
             <a:endParaRPr lang="en-US"/>
           </a:p>
@@ -17648,7 +17648,7 @@
           <a:p>
             <a:fld id="{AD3D6EDA-599C-9645-B396-5998D8DDABB0}" type="datetime1">
               <a:rPr lang="en-US" smtClean="0"/>
-              <a:t>7/13/16</a:t>
+              <a:t>8/4/16</a:t>
             </a:fld>
             <a:endParaRPr lang="en-US"/>
           </a:p>
@@ -17929,7 +17929,7 @@
           <a:p>
             <a:fld id="{8502B108-55F7-9E41-879B-CE6F15D8D7B1}" type="datetime1">
               <a:rPr lang="en-US" smtClean="0"/>
-              <a:t>7/13/16</a:t>
+              <a:t>8/4/16</a:t>
             </a:fld>
             <a:endParaRPr lang="en-US"/>
           </a:p>
@@ -18190,7 +18190,7 @@
           <a:p>
             <a:fld id="{8B09B565-C0AE-2F44-87F4-0068FC4B96B3}" type="datetime1">
               <a:rPr lang="en-US" smtClean="0"/>
-              <a:t>7/13/16</a:t>
+              <a:t>8/4/16</a:t>
             </a:fld>
             <a:endParaRPr lang="en-US"/>
           </a:p>
@@ -18364,7 +18364,7 @@
           <a:p>
             <a:fld id="{5627BF77-7517-474F-B5B0-3F9BFC4FAF91}" type="datetime1">
               <a:rPr lang="en-US" smtClean="0"/>
-              <a:t>7/13/16</a:t>
+              <a:t>8/4/16</a:t>
             </a:fld>
             <a:endParaRPr lang="en-US"/>
           </a:p>
@@ -18548,7 +18548,7 @@
           <a:p>
             <a:fld id="{4DAB4ABD-30B9-C542-B7AE-E7FDEFF0FE05}" type="datetime1">
               <a:rPr lang="en-US" smtClean="0"/>
-              <a:t>7/13/16</a:t>
+              <a:t>8/4/16</a:t>
             </a:fld>
             <a:endParaRPr lang="en-US"/>
           </a:p>
@@ -18647,7 +18647,7 @@
           <a:p>
             <a:fld id="{3A85B472-AC49-5847-A916-9C8B238FD133}" type="datetime1">
               <a:rPr lang="en-US" smtClean="0"/>
-              <a:t>7/13/16</a:t>
+              <a:t>8/4/16</a:t>
             </a:fld>
             <a:endParaRPr lang="en-US"/>
           </a:p>
@@ -18898,7 +18898,7 @@
           <a:p>
             <a:fld id="{2E9BB341-0A44-4740-9C04-FD5C94AF8C96}" type="datetime1">
               <a:rPr lang="en-US" smtClean="0"/>
-              <a:t>7/13/16</a:t>
+              <a:t>8/4/16</a:t>
             </a:fld>
             <a:endParaRPr lang="en-US"/>
           </a:p>
@@ -19201,7 +19201,7 @@
           <a:p>
             <a:fld id="{22199FF1-CAC7-5D4C-AD01-DB68CB4D9138}" type="datetime1">
               <a:rPr lang="en-US" smtClean="0"/>
-              <a:t>7/13/16</a:t>
+              <a:t>8/4/16</a:t>
             </a:fld>
             <a:endParaRPr lang="en-US"/>
           </a:p>
@@ -19504,7 +19504,7 @@
           <a:p>
             <a:fld id="{D65CAC6A-EB18-4C46-B28B-D91C42678A0A}" type="datetime1">
               <a:rPr lang="en-US" smtClean="0"/>
-              <a:t>7/13/16</a:t>
+              <a:t>8/4/16</a:t>
             </a:fld>
             <a:endParaRPr lang="en-US"/>
           </a:p>
@@ -20457,7 +20457,7 @@
           <a:p>
             <a:fld id="{93834758-560D-F044-A6DD-DD4A546F02E3}" type="datetime1">
               <a:rPr lang="en-US" smtClean="0"/>
-              <a:t>7/13/16</a:t>
+              <a:t>8/4/16</a:t>
             </a:fld>
             <a:endParaRPr lang="en-US"/>
           </a:p>
@@ -21525,7 +21525,7 @@
           <a:p>
             <a:fld id="{D678F2E4-281F-414B-8C56-FA7870830B7C}" type="datetime1">
               <a:rPr lang="en-US" smtClean="0"/>
-              <a:t>7/13/16</a:t>
+              <a:t>8/4/16</a:t>
             </a:fld>
             <a:endParaRPr lang="en-US"/>
           </a:p>
@@ -22068,7 +22068,7 @@
           <a:p>
             <a:fld id="{C826B61B-336A-2643-AA2B-422CF7CCD4CB}" type="datetime1">
               <a:rPr lang="en-US" smtClean="0"/>
-              <a:t>7/13/16</a:t>
+              <a:t>8/4/16</a:t>
             </a:fld>
             <a:endParaRPr lang="en-US"/>
           </a:p>
@@ -23438,7 +23438,7 @@
           <a:p>
             <a:fld id="{5D3E065B-8C77-4E44-8A7E-9A9743B5392E}" type="datetime1">
               <a:rPr lang="en-US" smtClean="0"/>
-              <a:t>7/13/16</a:t>
+              <a:t>8/4/16</a:t>
             </a:fld>
             <a:endParaRPr lang="en-US"/>
           </a:p>
@@ -24528,7 +24528,7 @@
           <a:p>
             <a:fld id="{E057F322-3E70-8445-B2B7-D94AED878E78}" type="datetime1">
               <a:rPr lang="en-US" smtClean="0"/>
-              <a:t>7/13/16</a:t>
+              <a:t>8/4/16</a:t>
             </a:fld>
             <a:endParaRPr lang="en-US"/>
           </a:p>
@@ -24985,6 +24985,35 @@
           </a:p>
         </p:txBody>
       </p:sp>
+      <p:pic>
+        <p:nvPicPr>
+          <p:cNvPr id="4" name="Picture 3"/>
+          <p:cNvPicPr>
+            <a:picLocks noChangeAspect="1"/>
+          </p:cNvPicPr>
+          <p:nvPr/>
+        </p:nvPicPr>
+        <p:blipFill rotWithShape="1">
+          <a:blip r:embed="rId2">
+            <a:extLst>
+              <a:ext uri="{28A0092B-C50C-407E-A947-70E740481C1C}">
+                <a14:useLocalDpi xmlns:a14="http://schemas.microsoft.com/office/drawing/2010/main" val="0"/>
+              </a:ext>
+            </a:extLst>
+          </a:blip>
+          <a:srcRect l="4523" t="17619" r="3095" b="25000"/>
+          <a:stretch/>
+        </p:blipFill>
+        <p:spPr>
+          <a:xfrm>
+            <a:off x="3793356" y="4564606"/>
+            <a:ext cx="1536320" cy="954261"/>
+          </a:xfrm>
+          <a:prstGeom prst="rect">
+            <a:avLst/>
+          </a:prstGeom>
+        </p:spPr>
+      </p:pic>
     </p:spTree>
     <p:extLst>
       <p:ext uri="{BB962C8B-B14F-4D97-AF65-F5344CB8AC3E}">
@@ -25112,13 +25141,8 @@
             </a:r>
             <a:r>
               <a:rPr lang="en-US" dirty="0" smtClean="0"/>
-              <a:t>) off </a:t>
-            </a:r>
-            <a:r>
-              <a:rPr lang="en-US" dirty="0" smtClean="0"/>
-              <a:t>the surface you are detecting</a:t>
-            </a:r>
-            <a:endParaRPr lang="en-US" dirty="0" smtClean="0"/>
+              <a:t>) off the surface you are detecting</a:t>
+            </a:r>
           </a:p>
           <a:p>
             <a:pPr marL="342900" indent="-342900">
@@ -25276,11 +25300,7 @@
             </a:r>
             <a:r>
               <a:rPr lang="en-US" dirty="0" smtClean="0"/>
-              <a:t>your </a:t>
-            </a:r>
-            <a:r>
-              <a:rPr lang="en-US" dirty="0" smtClean="0"/>
-              <a:t>Color </a:t>
+              <a:t>your Color </a:t>
             </a:r>
             <a:r>
               <a:rPr lang="en-US" dirty="0"/>
@@ -25330,19 +25350,7 @@
             </a:r>
             <a:r>
               <a:rPr lang="en-US" dirty="0" smtClean="0"/>
-              <a:t>Shielding may improve </a:t>
-            </a:r>
-            <a:r>
-              <a:rPr lang="en-US" dirty="0" smtClean="0"/>
-              <a:t>repeatability and consistency for your robot. </a:t>
-            </a:r>
-            <a:r>
-              <a:rPr lang="en-US" dirty="0" smtClean="0"/>
-              <a:t>Shielding may be </a:t>
-            </a:r>
-            <a:r>
-              <a:rPr lang="en-US" dirty="0" smtClean="0"/>
-              <a:t>valuable </a:t>
+              <a:t>Shielding may improve repeatability and consistency for your robot. Shielding may be valuable </a:t>
             </a:r>
             <a:r>
               <a:rPr lang="en-US" dirty="0"/>
@@ -25368,11 +25376,7 @@
             </a:r>
             <a:r>
               <a:rPr lang="en-US" dirty="0" smtClean="0"/>
-              <a:t>Surround the </a:t>
-            </a:r>
-            <a:r>
-              <a:rPr lang="en-US" dirty="0" smtClean="0"/>
-              <a:t>Color </a:t>
+              <a:t>Surround the Color </a:t>
             </a:r>
             <a:r>
               <a:rPr lang="en-US" dirty="0"/>
@@ -25380,17 +25384,8 @@
             </a:r>
             <a:r>
               <a:rPr lang="en-US" dirty="0" smtClean="0"/>
-              <a:t>ensor </a:t>
-            </a:r>
-            <a:r>
-              <a:rPr lang="en-US" dirty="0" smtClean="0"/>
-              <a:t>with beams to block external </a:t>
-            </a:r>
-            <a:r>
-              <a:rPr lang="en-US" dirty="0" smtClean="0"/>
-              <a:t>light</a:t>
-            </a:r>
-            <a:endParaRPr lang="en-US" dirty="0" smtClean="0"/>
+              <a:t>ensor with beams to block external light</a:t>
+            </a:r>
           </a:p>
         </p:txBody>
       </p:sp>
@@ -26599,15 +26594,7 @@
             </a:pPr>
             <a:r>
               <a:rPr lang="en-US" dirty="0" smtClean="0"/>
-              <a:t>Images </a:t>
-            </a:r>
-            <a:r>
-              <a:rPr lang="en-US" dirty="0" smtClean="0"/>
-              <a:t>of shielded sensors </a:t>
-            </a:r>
-            <a:r>
-              <a:rPr lang="en-US" dirty="0" smtClean="0"/>
-              <a:t>provided by FTC Team </a:t>
+              <a:t>Images of shielded sensors provided by FTC Team </a:t>
             </a:r>
             <a:r>
               <a:rPr lang="en-US" dirty="0"/>
@@ -26719,7 +26706,7 @@
           <a:effectLst/>
           <a:extLst>
             <a:ext uri="{91240B29-F687-4f45-9708-019B960494DF}">
-              <a14:hiddenLine xmlns:a14="http://schemas.microsoft.com/office/drawing/2010/main" xmlns="" w="9525">
+              <a14:hiddenLine xmlns="" xmlns:a14="http://schemas.microsoft.com/office/drawing/2010/main" w="9525">
                 <a:solidFill>
                   <a:schemeClr val="tx1"/>
                 </a:solidFill>
@@ -26729,7 +26716,7 @@
               </a14:hiddenLine>
             </a:ext>
             <a:ext uri="{AF507438-7753-43e0-B8FC-AC1667EBCBE1}">
-              <a14:hiddenEffects xmlns:a14="http://schemas.microsoft.com/office/drawing/2010/main" xmlns="">
+              <a14:hiddenEffects xmlns="" xmlns:a14="http://schemas.microsoft.com/office/drawing/2010/main">
                 <a:effectLst>
                   <a:outerShdw dist="35921" dir="2700000" algn="ctr" rotWithShape="0">
                     <a:schemeClr val="bg2"/>
@@ -27082,7 +27069,7 @@
           <a:noFill/>
           <a:extLst>
             <a:ext uri="{909E8E84-426E-40dd-AFC4-6F175D3DCCD1}">
-              <a14:hiddenFill xmlns:a14="http://schemas.microsoft.com/office/drawing/2010/main" xmlns="">
+              <a14:hiddenFill xmlns="" xmlns:a14="http://schemas.microsoft.com/office/drawing/2010/main">
                 <a:solidFill>
                   <a:srgbClr val="FFFFFF"/>
                 </a:solidFill>
